--- a/UserManual.pptx
+++ b/UserManual.pptx
@@ -3009,10 +3009,10 @@
       </p:grpSpPr>
       <p:grpSp>
         <p:nvGrpSpPr>
-          <p:cNvPr id="14" name="קבוצה 13">
+          <p:cNvPr id="4" name="קבוצה 3">
             <a:extLst>
               <a:ext uri="{FF2B5EF4-FFF2-40B4-BE49-F238E27FC236}">
-                <a16:creationId xmlns:a16="http://schemas.microsoft.com/office/drawing/2014/main" id="{56FA1FB4-4F99-83C7-4EA2-60657E738224}"/>
+                <a16:creationId xmlns:a16="http://schemas.microsoft.com/office/drawing/2014/main" id="{F677804E-B838-3A65-63B2-82B903765861}"/>
               </a:ext>
             </a:extLst>
           </p:cNvPr>
@@ -3022,9 +3022,9 @@
         <p:grpSpPr>
           <a:xfrm>
             <a:off x="534491" y="1303016"/>
-            <a:ext cx="8075018" cy="2566043"/>
+            <a:ext cx="2222997" cy="2566043"/>
             <a:chOff x="534491" y="1303016"/>
-            <a:chExt cx="8075018" cy="2566043"/>
+            <a:chExt cx="2222997" cy="2566043"/>
           </a:xfrm>
         </p:grpSpPr>
         <p:sp>
@@ -3084,287 +3084,266 @@
             </a:p>
           </p:txBody>
         </p:sp>
-        <p:grpSp>
-          <p:nvGrpSpPr>
-            <p:cNvPr id="10" name="קבוצה 9">
+        <p:pic>
+          <p:nvPicPr>
+            <p:cNvPr id="5" name="תמונה 4">
               <a:extLst>
                 <a:ext uri="{FF2B5EF4-FFF2-40B4-BE49-F238E27FC236}">
-                  <a16:creationId xmlns:a16="http://schemas.microsoft.com/office/drawing/2014/main" id="{D1E75AC6-F081-25B0-1F31-350488F5BCA2}"/>
+                  <a16:creationId xmlns:a16="http://schemas.microsoft.com/office/drawing/2014/main" id="{FC27682A-D9F0-44FC-0CF2-D23F7E0212ED}"/>
                 </a:ext>
               </a:extLst>
             </p:cNvPr>
-            <p:cNvGrpSpPr/>
+            <p:cNvPicPr>
+              <a:picLocks noChangeAspect="1"/>
+            </p:cNvPicPr>
             <p:nvPr/>
-          </p:nvGrpSpPr>
-          <p:grpSpPr>
+          </p:nvPicPr>
+          <p:blipFill>
+            <a:blip r:embed="rId2">
+              <a:extLst>
+                <a:ext uri="{28A0092B-C50C-407E-A947-70E740481C1C}">
+                  <a14:useLocalDpi xmlns:a14="http://schemas.microsoft.com/office/drawing/2010/main" val="0"/>
+                </a:ext>
+              </a:extLst>
+            </a:blip>
+            <a:srcRect l="6197" r="6197"/>
+            <a:stretch/>
+          </p:blipFill>
+          <p:spPr>
             <a:xfrm>
               <a:off x="534491" y="1303016"/>
-              <a:ext cx="8075018" cy="2537468"/>
-              <a:chOff x="534491" y="1110133"/>
-              <a:chExt cx="8075018" cy="2537468"/>
+              <a:ext cx="2222997" cy="2537468"/>
             </a:xfrm>
-          </p:grpSpPr>
-          <p:grpSp>
-            <p:nvGrpSpPr>
-              <p:cNvPr id="6" name="קבוצה 5">
-                <a:extLst>
-                  <a:ext uri="{FF2B5EF4-FFF2-40B4-BE49-F238E27FC236}">
-                    <a16:creationId xmlns:a16="http://schemas.microsoft.com/office/drawing/2014/main" id="{9947B022-7BC8-9557-EFAE-AC2325CB45C9}"/>
-                  </a:ext>
-                </a:extLst>
-              </p:cNvPr>
-              <p:cNvGrpSpPr/>
-              <p:nvPr/>
-            </p:nvGrpSpPr>
-            <p:grpSpPr>
-              <a:xfrm>
-                <a:off x="2667835" y="1527584"/>
-                <a:ext cx="5941674" cy="1831158"/>
-                <a:chOff x="2667835" y="1370671"/>
-                <a:chExt cx="5941674" cy="1831158"/>
-              </a:xfrm>
-            </p:grpSpPr>
-            <p:sp>
-              <p:nvSpPr>
-                <p:cNvPr id="2" name="מלבן 1">
-                  <a:extLst>
-                    <a:ext uri="{FF2B5EF4-FFF2-40B4-BE49-F238E27FC236}">
-                      <a16:creationId xmlns:a16="http://schemas.microsoft.com/office/drawing/2014/main" id="{8760F36B-DEA5-4567-ACBD-3613D02DC346}"/>
-                    </a:ext>
-                  </a:extLst>
-                </p:cNvPr>
-                <p:cNvSpPr/>
-                <p:nvPr/>
-              </p:nvSpPr>
-              <p:spPr>
-                <a:xfrm>
-                  <a:off x="2679681" y="1370671"/>
-                  <a:ext cx="5929828" cy="1323439"/>
-                </a:xfrm>
-                <a:prstGeom prst="rect">
-                  <a:avLst/>
-                </a:prstGeom>
-                <a:noFill/>
-              </p:spPr>
-              <p:txBody>
-                <a:bodyPr wrap="none" lIns="91440" tIns="45720" rIns="91440" bIns="45720">
-                  <a:spAutoFit/>
-                </a:bodyPr>
-                <a:lstStyle/>
-                <a:p>
-                  <a:pPr algn="ctr"/>
-                  <a:r>
-                    <a:rPr lang="en-US" sz="8000" b="1" cap="none" spc="0" dirty="0">
-                      <a:ln w="12700">
-                        <a:solidFill>
-                          <a:schemeClr val="accent5">
-                            <a:lumMod val="75000"/>
-                          </a:schemeClr>
-                        </a:solidFill>
-                        <a:prstDash val="solid"/>
-                      </a:ln>
-                      <a:gradFill flip="none" rotWithShape="1">
-                        <a:gsLst>
-                          <a:gs pos="0">
-                            <a:schemeClr val="accent5">
-                              <a:lumMod val="75000"/>
-                            </a:schemeClr>
-                          </a:gs>
-                          <a:gs pos="100000">
-                            <a:srgbClr val="FDCB95"/>
-                          </a:gs>
-                        </a:gsLst>
-                        <a:lin ang="16200000" scaled="1"/>
-                        <a:tileRect/>
-                      </a:gradFill>
-                      <a:effectLst>
-                        <a:outerShdw blurRad="12700" dist="38100" dir="2700000" algn="tl" rotWithShape="0">
-                          <a:schemeClr val="accent5">
-                            <a:lumMod val="50000"/>
-                          </a:schemeClr>
-                        </a:outerShdw>
-                      </a:effectLst>
-                      <a:latin typeface="Zing Rust Demo Base" panose="00000500000000000000" pitchFamily="50" charset="0"/>
-                    </a:rPr>
-                    <a:t>LetsLaugh</a:t>
-                  </a:r>
-                  <a:r>
-                    <a:rPr lang="en-US" sz="6000" b="1" cap="none" spc="0" dirty="0">
-                      <a:ln w="12700">
-                        <a:solidFill>
-                          <a:schemeClr val="accent5">
-                            <a:lumMod val="75000"/>
-                          </a:schemeClr>
-                        </a:solidFill>
-                        <a:prstDash val="solid"/>
-                      </a:ln>
-                      <a:gradFill flip="none" rotWithShape="1">
-                        <a:gsLst>
-                          <a:gs pos="0">
-                            <a:schemeClr val="accent5">
-                              <a:lumMod val="75000"/>
-                            </a:schemeClr>
-                          </a:gs>
-                          <a:gs pos="100000">
-                            <a:srgbClr val="FDCB95"/>
-                          </a:gs>
-                        </a:gsLst>
-                        <a:lin ang="16200000" scaled="1"/>
-                        <a:tileRect/>
-                      </a:gradFill>
-                      <a:effectLst>
-                        <a:outerShdw blurRad="12700" dist="38100" dir="2700000" algn="tl" rotWithShape="0">
-                          <a:schemeClr val="accent5">
-                            <a:lumMod val="50000"/>
-                          </a:schemeClr>
-                        </a:outerShdw>
-                      </a:effectLst>
-                      <a:latin typeface="Zing Rust Demo Base" panose="00000500000000000000" pitchFamily="50" charset="0"/>
-                    </a:rPr>
-                    <a:t>.com</a:t>
-                  </a:r>
-                  <a:endParaRPr lang="he-IL" sz="7200" b="1" cap="none" spc="0" dirty="0">
-                    <a:ln w="12700">
-                      <a:solidFill>
+            <a:prstGeom prst="rect">
+              <a:avLst/>
+            </a:prstGeom>
+          </p:spPr>
+        </p:pic>
+      </p:grpSp>
+      <p:grpSp>
+        <p:nvGrpSpPr>
+          <p:cNvPr id="6" name="קבוצה 5">
+            <a:extLst>
+              <a:ext uri="{FF2B5EF4-FFF2-40B4-BE49-F238E27FC236}">
+                <a16:creationId xmlns:a16="http://schemas.microsoft.com/office/drawing/2014/main" id="{9947B022-7BC8-9557-EFAE-AC2325CB45C9}"/>
+              </a:ext>
+            </a:extLst>
+          </p:cNvPr>
+          <p:cNvGrpSpPr/>
+          <p:nvPr/>
+        </p:nvGrpSpPr>
+        <p:grpSpPr>
+          <a:xfrm>
+            <a:off x="2686123" y="1720467"/>
+            <a:ext cx="5876099" cy="1831158"/>
+            <a:chOff x="2686123" y="1370671"/>
+            <a:chExt cx="5876099" cy="1831158"/>
+          </a:xfrm>
+        </p:grpSpPr>
+        <p:sp>
+          <p:nvSpPr>
+            <p:cNvPr id="2" name="מלבן 1">
+              <a:extLst>
+                <a:ext uri="{FF2B5EF4-FFF2-40B4-BE49-F238E27FC236}">
+                  <a16:creationId xmlns:a16="http://schemas.microsoft.com/office/drawing/2014/main" id="{8760F36B-DEA5-4567-ACBD-3613D02DC346}"/>
+                </a:ext>
+              </a:extLst>
+            </p:cNvPr>
+            <p:cNvSpPr/>
+            <p:nvPr/>
+          </p:nvSpPr>
+          <p:spPr>
+            <a:xfrm>
+              <a:off x="2726970" y="1370671"/>
+              <a:ext cx="5835252" cy="1323439"/>
+            </a:xfrm>
+            <a:prstGeom prst="rect">
+              <a:avLst/>
+            </a:prstGeom>
+            <a:noFill/>
+          </p:spPr>
+          <p:txBody>
+            <a:bodyPr wrap="none" lIns="91440" tIns="45720" rIns="91440" bIns="45720">
+              <a:spAutoFit/>
+            </a:bodyPr>
+            <a:lstStyle/>
+            <a:p>
+              <a:pPr algn="ctr"/>
+              <a:r>
+                <a:rPr lang="en-US" sz="8000" b="1" dirty="0">
+                  <a:ln w="12700">
+                    <a:solidFill>
+                      <a:schemeClr val="accent5">
+                        <a:lumMod val="75000"/>
+                      </a:schemeClr>
+                    </a:solidFill>
+                    <a:prstDash val="solid"/>
+                  </a:ln>
+                  <a:gradFill flip="none" rotWithShape="1">
+                    <a:gsLst>
+                      <a:gs pos="0">
                         <a:schemeClr val="accent5">
                           <a:lumMod val="75000"/>
                         </a:schemeClr>
-                      </a:solidFill>
-                      <a:prstDash val="solid"/>
-                    </a:ln>
-                    <a:gradFill flip="none" rotWithShape="1">
-                      <a:gsLst>
-                        <a:gs pos="0">
-                          <a:schemeClr val="accent5">
-                            <a:lumMod val="75000"/>
-                          </a:schemeClr>
-                        </a:gs>
-                        <a:gs pos="100000">
-                          <a:srgbClr val="FDCB95"/>
-                        </a:gs>
-                      </a:gsLst>
-                      <a:lin ang="16200000" scaled="1"/>
-                      <a:tileRect/>
-                    </a:gradFill>
-                    <a:effectLst>
-                      <a:outerShdw blurRad="12700" dist="38100" dir="2700000" algn="tl" rotWithShape="0">
+                      </a:gs>
+                      <a:gs pos="100000">
+                        <a:srgbClr val="FDCB95"/>
+                      </a:gs>
+                    </a:gsLst>
+                    <a:lin ang="16200000" scaled="1"/>
+                    <a:tileRect/>
+                  </a:gradFill>
+                  <a:effectLst>
+                    <a:outerShdw blurRad="12700" dist="38100" dir="2700000" algn="tl" rotWithShape="0">
+                      <a:schemeClr val="accent5">
+                        <a:lumMod val="50000"/>
+                      </a:schemeClr>
+                    </a:outerShdw>
+                  </a:effectLst>
+                  <a:latin typeface="Zing Rust Demo Base" panose="00000500000000000000" pitchFamily="50" charset="0"/>
+                </a:rPr>
+                <a:t>LOLMOVIES</a:t>
+              </a:r>
+              <a:r>
+                <a:rPr lang="en-US" sz="6000" b="1" cap="none" spc="0" dirty="0">
+                  <a:ln w="12700">
+                    <a:solidFill>
+                      <a:schemeClr val="accent5">
+                        <a:lumMod val="75000"/>
+                      </a:schemeClr>
+                    </a:solidFill>
+                    <a:prstDash val="solid"/>
+                  </a:ln>
+                  <a:gradFill flip="none" rotWithShape="1">
+                    <a:gsLst>
+                      <a:gs pos="0">
                         <a:schemeClr val="accent5">
-                          <a:lumMod val="50000"/>
+                          <a:lumMod val="75000"/>
                         </a:schemeClr>
-                      </a:outerShdw>
-                    </a:effectLst>
-                    <a:latin typeface="Zing Rust Demo Base" panose="00000500000000000000" pitchFamily="50" charset="0"/>
-                  </a:endParaRPr>
-                </a:p>
-              </p:txBody>
-            </p:sp>
-            <p:sp>
-              <p:nvSpPr>
-                <p:cNvPr id="3" name="מלבן 2">
-                  <a:extLst>
-                    <a:ext uri="{FF2B5EF4-FFF2-40B4-BE49-F238E27FC236}">
-                      <a16:creationId xmlns:a16="http://schemas.microsoft.com/office/drawing/2014/main" id="{8A5C1502-C5C7-4C2F-78C3-36E32B4BB4E0}"/>
-                    </a:ext>
-                  </a:extLst>
-                </p:cNvPr>
-                <p:cNvSpPr/>
-                <p:nvPr/>
-              </p:nvSpPr>
-              <p:spPr>
-                <a:xfrm>
-                  <a:off x="2667835" y="2493943"/>
-                  <a:ext cx="5591595" cy="707886"/>
-                </a:xfrm>
-                <a:prstGeom prst="rect">
-                  <a:avLst/>
-                </a:prstGeom>
-                <a:noFill/>
-              </p:spPr>
-              <p:txBody>
-                <a:bodyPr wrap="none" lIns="91440" tIns="45720" rIns="91440" bIns="45720">
-                  <a:spAutoFit/>
-                </a:bodyPr>
-                <a:lstStyle/>
-                <a:p>
-                  <a:pPr algn="ctr"/>
-                  <a:r>
-                    <a:rPr lang="en-US" sz="4000" dirty="0">
-                      <a:ln w="9525">
-                        <a:noFill/>
-                        <a:prstDash val="solid"/>
-                      </a:ln>
-                      <a:solidFill>
+                      </a:gs>
+                      <a:gs pos="100000">
                         <a:srgbClr val="FDCB95"/>
-                      </a:solidFill>
-                      <a:effectLst>
-                        <a:outerShdw blurRad="12700" dist="38100" dir="2700000" algn="tl" rotWithShape="0">
-                          <a:schemeClr val="accent5">
-                            <a:lumMod val="50000"/>
-                          </a:schemeClr>
-                        </a:outerShdw>
-                      </a:effectLst>
-                      <a:latin typeface="Zing Script Rust SB Demo Base" panose="00000200000000000000" pitchFamily="50" charset="0"/>
-                      <a:cs typeface="Poppins" panose="00000500000000000000" pitchFamily="2" charset="0"/>
-                    </a:rPr>
-                    <a:t>The Best Comedy movies.</a:t>
-                  </a:r>
-                  <a:endParaRPr lang="he-IL" sz="4000" dirty="0">
-                    <a:ln w="9525">
-                      <a:noFill/>
-                      <a:prstDash val="solid"/>
-                    </a:ln>
-                    <a:solidFill>
+                      </a:gs>
+                    </a:gsLst>
+                    <a:lin ang="16200000" scaled="1"/>
+                    <a:tileRect/>
+                  </a:gradFill>
+                  <a:effectLst>
+                    <a:outerShdw blurRad="12700" dist="38100" dir="2700000" algn="tl" rotWithShape="0">
+                      <a:schemeClr val="accent5">
+                        <a:lumMod val="50000"/>
+                      </a:schemeClr>
+                    </a:outerShdw>
+                  </a:effectLst>
+                  <a:latin typeface="Zing Rust Demo Base" panose="00000500000000000000" pitchFamily="50" charset="0"/>
+                </a:rPr>
+                <a:t>.com</a:t>
+              </a:r>
+              <a:endParaRPr lang="he-IL" sz="7200" b="1" cap="none" spc="0" dirty="0">
+                <a:ln w="12700">
+                  <a:solidFill>
+                    <a:schemeClr val="accent5">
+                      <a:lumMod val="75000"/>
+                    </a:schemeClr>
+                  </a:solidFill>
+                  <a:prstDash val="solid"/>
+                </a:ln>
+                <a:gradFill flip="none" rotWithShape="1">
+                  <a:gsLst>
+                    <a:gs pos="0">
+                      <a:schemeClr val="accent5">
+                        <a:lumMod val="75000"/>
+                      </a:schemeClr>
+                    </a:gs>
+                    <a:gs pos="100000">
                       <a:srgbClr val="FDCB95"/>
-                    </a:solidFill>
-                    <a:effectLst>
-                      <a:outerShdw blurRad="12700" dist="38100" dir="2700000" algn="tl" rotWithShape="0">
-                        <a:schemeClr val="accent5">
-                          <a:lumMod val="50000"/>
-                        </a:schemeClr>
-                      </a:outerShdw>
-                    </a:effectLst>
-                    <a:latin typeface="Zing Script Rust SB Demo Base" panose="00000200000000000000" pitchFamily="50" charset="0"/>
-                  </a:endParaRPr>
-                </a:p>
-              </p:txBody>
-            </p:sp>
-          </p:grpSp>
-          <p:pic>
-            <p:nvPicPr>
-              <p:cNvPr id="5" name="תמונה 4">
-                <a:extLst>
-                  <a:ext uri="{FF2B5EF4-FFF2-40B4-BE49-F238E27FC236}">
-                    <a16:creationId xmlns:a16="http://schemas.microsoft.com/office/drawing/2014/main" id="{FC27682A-D9F0-44FC-0CF2-D23F7E0212ED}"/>
-                  </a:ext>
-                </a:extLst>
-              </p:cNvPr>
-              <p:cNvPicPr>
-                <a:picLocks noChangeAspect="1"/>
-              </p:cNvPicPr>
-              <p:nvPr/>
-            </p:nvPicPr>
-            <p:blipFill>
-              <a:blip r:embed="rId2">
-                <a:extLst>
-                  <a:ext uri="{28A0092B-C50C-407E-A947-70E740481C1C}">
-                    <a14:useLocalDpi xmlns:a14="http://schemas.microsoft.com/office/drawing/2010/main" val="0"/>
-                  </a:ext>
-                </a:extLst>
-              </a:blip>
-              <a:srcRect l="6197" r="6197"/>
-              <a:stretch/>
-            </p:blipFill>
-            <p:spPr>
-              <a:xfrm>
-                <a:off x="534491" y="1110133"/>
-                <a:ext cx="2222997" cy="2537468"/>
-              </a:xfrm>
-              <a:prstGeom prst="rect">
-                <a:avLst/>
-              </a:prstGeom>
-            </p:spPr>
-          </p:pic>
-        </p:grpSp>
+                    </a:gs>
+                  </a:gsLst>
+                  <a:lin ang="16200000" scaled="1"/>
+                  <a:tileRect/>
+                </a:gradFill>
+                <a:effectLst>
+                  <a:outerShdw blurRad="12700" dist="38100" dir="2700000" algn="tl" rotWithShape="0">
+                    <a:schemeClr val="accent5">
+                      <a:lumMod val="50000"/>
+                    </a:schemeClr>
+                  </a:outerShdw>
+                </a:effectLst>
+                <a:latin typeface="Zing Rust Demo Base" panose="00000500000000000000" pitchFamily="50" charset="0"/>
+              </a:endParaRPr>
+            </a:p>
+          </p:txBody>
+        </p:sp>
+        <p:sp>
+          <p:nvSpPr>
+            <p:cNvPr id="3" name="מלבן 2">
+              <a:extLst>
+                <a:ext uri="{FF2B5EF4-FFF2-40B4-BE49-F238E27FC236}">
+                  <a16:creationId xmlns:a16="http://schemas.microsoft.com/office/drawing/2014/main" id="{8A5C1502-C5C7-4C2F-78C3-36E32B4BB4E0}"/>
+                </a:ext>
+              </a:extLst>
+            </p:cNvPr>
+            <p:cNvSpPr/>
+            <p:nvPr/>
+          </p:nvSpPr>
+          <p:spPr>
+            <a:xfrm>
+              <a:off x="2686123" y="2493943"/>
+              <a:ext cx="5591595" cy="707886"/>
+            </a:xfrm>
+            <a:prstGeom prst="rect">
+              <a:avLst/>
+            </a:prstGeom>
+            <a:noFill/>
+          </p:spPr>
+          <p:txBody>
+            <a:bodyPr wrap="none" lIns="91440" tIns="45720" rIns="91440" bIns="45720">
+              <a:spAutoFit/>
+            </a:bodyPr>
+            <a:lstStyle/>
+            <a:p>
+              <a:pPr algn="ctr"/>
+              <a:r>
+                <a:rPr lang="en-US" sz="4000" dirty="0">
+                  <a:ln w="9525">
+                    <a:noFill/>
+                    <a:prstDash val="solid"/>
+                  </a:ln>
+                  <a:solidFill>
+                    <a:srgbClr val="FDCB95"/>
+                  </a:solidFill>
+                  <a:effectLst>
+                    <a:outerShdw blurRad="12700" dist="38100" dir="2700000" algn="tl" rotWithShape="0">
+                      <a:schemeClr val="accent5">
+                        <a:lumMod val="50000"/>
+                      </a:schemeClr>
+                    </a:outerShdw>
+                  </a:effectLst>
+                  <a:latin typeface="Zing Script Rust SB Demo Base" panose="00000200000000000000" pitchFamily="50" charset="0"/>
+                  <a:cs typeface="Poppins" panose="00000500000000000000" pitchFamily="2" charset="0"/>
+                </a:rPr>
+                <a:t>The Best Comedy movies.</a:t>
+              </a:r>
+              <a:endParaRPr lang="he-IL" sz="4000" dirty="0">
+                <a:ln w="9525">
+                  <a:noFill/>
+                  <a:prstDash val="solid"/>
+                </a:ln>
+                <a:solidFill>
+                  <a:srgbClr val="FDCB95"/>
+                </a:solidFill>
+                <a:effectLst>
+                  <a:outerShdw blurRad="12700" dist="38100" dir="2700000" algn="tl" rotWithShape="0">
+                    <a:schemeClr val="accent5">
+                      <a:lumMod val="50000"/>
+                    </a:schemeClr>
+                  </a:outerShdw>
+                </a:effectLst>
+                <a:latin typeface="Zing Script Rust SB Demo Base" panose="00000200000000000000" pitchFamily="50" charset="0"/>
+              </a:endParaRPr>
+            </a:p>
+          </p:txBody>
+        </p:sp>
       </p:grpSp>
     </p:spTree>
     <p:extLst>
@@ -3426,11 +3405,18 @@
           <a:prstGeom prst="rect">
             <a:avLst/>
           </a:prstGeom>
-          <a:solidFill>
-            <a:schemeClr val="accent1">
-              <a:lumMod val="75000"/>
-            </a:schemeClr>
-          </a:solidFill>
+          <a:gradFill flip="none" rotWithShape="1">
+            <a:gsLst>
+              <a:gs pos="0">
+                <a:srgbClr val="EBC9A7"/>
+              </a:gs>
+              <a:gs pos="100000">
+                <a:srgbClr val="EE4854"/>
+              </a:gs>
+            </a:gsLst>
+            <a:lin ang="5400000" scaled="1"/>
+            <a:tileRect/>
+          </a:gradFill>
           <a:ln>
             <a:noFill/>
           </a:ln>
@@ -3456,110 +3442,123 @@
           <a:lstStyle/>
           <a:p>
             <a:r>
-              <a:rPr lang="en-US" sz="3600" b="1" cap="none" spc="0" dirty="0">
-                <a:ln w="12700">
-                  <a:solidFill>
-                    <a:schemeClr val="accent5">
-                      <a:lumMod val="75000"/>
-                    </a:schemeClr>
-                  </a:solidFill>
+              <a:rPr lang="en-US" sz="2800" b="1" cap="none" spc="0" dirty="0">
+                <a:ln w="9525">
+                  <a:noFill/>
                   <a:prstDash val="solid"/>
                 </a:ln>
-                <a:gradFill flip="none" rotWithShape="1">
-                  <a:gsLst>
-                    <a:gs pos="0">
-                      <a:schemeClr val="accent5">
-                        <a:lumMod val="75000"/>
-                      </a:schemeClr>
-                    </a:gs>
-                    <a:gs pos="100000">
-                      <a:srgbClr val="FDCB95"/>
-                    </a:gs>
-                  </a:gsLst>
-                  <a:lin ang="16200000" scaled="1"/>
-                  <a:tileRect/>
-                </a:gradFill>
-                <a:effectLst>
-                  <a:outerShdw blurRad="12700" dist="38100" dir="2700000" algn="tl" rotWithShape="0">
-                    <a:schemeClr val="accent5">
-                      <a:lumMod val="50000"/>
-                    </a:schemeClr>
-                  </a:outerShdw>
-                </a:effectLst>
+                <a:solidFill>
+                  <a:schemeClr val="accent1"/>
+                </a:solidFill>
                 <a:latin typeface="Zing Rust Demo Base" panose="00000500000000000000" pitchFamily="50" charset="0"/>
               </a:rPr>
-              <a:t>	LetsLaugh</a:t>
-            </a:r>
-            <a:r>
-              <a:rPr lang="en-US" sz="2400" b="1" cap="none" spc="0" dirty="0">
-                <a:ln w="12700">
-                  <a:solidFill>
-                    <a:schemeClr val="accent5">
-                      <a:lumMod val="75000"/>
-                    </a:schemeClr>
-                  </a:solidFill>
+              <a:t>        LOLMOVIES</a:t>
+            </a:r>
+            <a:r>
+              <a:rPr lang="en-US" b="1" cap="none" spc="0" dirty="0">
+                <a:ln w="9525">
+                  <a:noFill/>
                   <a:prstDash val="solid"/>
                 </a:ln>
-                <a:gradFill flip="none" rotWithShape="1">
-                  <a:gsLst>
-                    <a:gs pos="0">
-                      <a:schemeClr val="accent5">
-                        <a:lumMod val="75000"/>
-                      </a:schemeClr>
-                    </a:gs>
-                    <a:gs pos="100000">
-                      <a:srgbClr val="FDCB95"/>
-                    </a:gs>
-                  </a:gsLst>
-                  <a:lin ang="16200000" scaled="1"/>
-                  <a:tileRect/>
-                </a:gradFill>
-                <a:effectLst>
-                  <a:outerShdw blurRad="12700" dist="38100" dir="2700000" algn="tl" rotWithShape="0">
-                    <a:schemeClr val="accent5">
-                      <a:lumMod val="50000"/>
-                    </a:schemeClr>
-                  </a:outerShdw>
-                </a:effectLst>
+                <a:solidFill>
+                  <a:schemeClr val="accent1"/>
+                </a:solidFill>
                 <a:latin typeface="Zing Rust Demo Base" panose="00000500000000000000" pitchFamily="50" charset="0"/>
               </a:rPr>
-              <a:t>.com</a:t>
-            </a:r>
-            <a:endParaRPr lang="he-IL" sz="3200" b="1" cap="none" spc="0" dirty="0">
-              <a:ln w="12700">
+              <a:t>.com                                                                           </a:t>
+            </a:r>
+            <a:r>
+              <a:rPr lang="en-US" sz="1400" dirty="0">
+                <a:ln w="9525">
+                  <a:noFill/>
+                  <a:prstDash val="solid"/>
+                </a:ln>
                 <a:solidFill>
-                  <a:schemeClr val="accent5">
-                    <a:lumMod val="75000"/>
-                  </a:schemeClr>
+                  <a:schemeClr val="accent1"/>
                 </a:solidFill>
+                <a:latin typeface="Zing Script Rust SB Demo Base" panose="00000200000000000000" pitchFamily="50" charset="0"/>
+                <a:cs typeface="Poppins" panose="00000500000000000000" pitchFamily="2" charset="0"/>
+              </a:rPr>
+              <a:t>The Best Comedy movies</a:t>
+            </a:r>
+            <a:r>
+              <a:rPr lang="en-US" dirty="0">
+                <a:ln w="9525">
+                  <a:noFill/>
+                  <a:prstDash val="solid"/>
+                </a:ln>
+                <a:solidFill>
+                  <a:schemeClr val="accent1"/>
+                </a:solidFill>
+                <a:latin typeface="Zing Script Rust SB Demo Base" panose="00000200000000000000" pitchFamily="50" charset="0"/>
+                <a:cs typeface="Poppins" panose="00000500000000000000" pitchFamily="2" charset="0"/>
+              </a:rPr>
+              <a:t>.</a:t>
+            </a:r>
+            <a:endParaRPr lang="he-IL" sz="2400" dirty="0">
+              <a:ln w="9525">
+                <a:noFill/>
                 <a:prstDash val="solid"/>
               </a:ln>
-              <a:gradFill flip="none" rotWithShape="1">
-                <a:gsLst>
-                  <a:gs pos="0">
-                    <a:schemeClr val="accent5">
-                      <a:lumMod val="75000"/>
-                    </a:schemeClr>
-                  </a:gs>
-                  <a:gs pos="100000">
-                    <a:srgbClr val="FDCB95"/>
-                  </a:gs>
-                </a:gsLst>
-                <a:lin ang="16200000" scaled="1"/>
-                <a:tileRect/>
-              </a:gradFill>
-              <a:effectLst>
-                <a:outerShdw blurRad="12700" dist="38100" dir="2700000" algn="tl" rotWithShape="0">
-                  <a:schemeClr val="accent5">
-                    <a:lumMod val="50000"/>
-                  </a:schemeClr>
-                </a:outerShdw>
-              </a:effectLst>
-              <a:latin typeface="Zing Rust Demo Base" panose="00000500000000000000" pitchFamily="50" charset="0"/>
+              <a:solidFill>
+                <a:schemeClr val="accent1"/>
+              </a:solidFill>
+              <a:latin typeface="Zing Script Rust SB Demo Base" panose="00000200000000000000" pitchFamily="50" charset="0"/>
             </a:endParaRPr>
           </a:p>
         </p:txBody>
       </p:sp>
+      <p:pic>
+        <p:nvPicPr>
+          <p:cNvPr id="2" name="תמונה 1">
+            <a:extLst>
+              <a:ext uri="{FF2B5EF4-FFF2-40B4-BE49-F238E27FC236}">
+                <a16:creationId xmlns:a16="http://schemas.microsoft.com/office/drawing/2014/main" id="{BD62F12F-240A-243A-8B02-04343D19EC1F}"/>
+              </a:ext>
+            </a:extLst>
+          </p:cNvPr>
+          <p:cNvPicPr>
+            <a:picLocks noChangeAspect="1"/>
+          </p:cNvPicPr>
+          <p:nvPr/>
+        </p:nvPicPr>
+        <p:blipFill>
+          <a:blip r:embed="rId2">
+            <a:duotone>
+              <a:schemeClr val="accent1">
+                <a:shade val="45000"/>
+                <a:satMod val="135000"/>
+              </a:schemeClr>
+              <a:prstClr val="white"/>
+            </a:duotone>
+            <a:extLst>
+              <a:ext uri="{BEBA8EAE-BF5A-486C-A8C5-ECC9F3942E4B}">
+                <a14:imgProps xmlns:a14="http://schemas.microsoft.com/office/drawing/2010/main">
+                  <a14:imgLayer r:embed="rId3">
+                    <a14:imgEffect>
+                      <a14:brightnessContrast bright="-100000" contrast="40000"/>
+                    </a14:imgEffect>
+                  </a14:imgLayer>
+                </a14:imgProps>
+              </a:ext>
+              <a:ext uri="{28A0092B-C50C-407E-A947-70E740481C1C}">
+                <a14:useLocalDpi xmlns:a14="http://schemas.microsoft.com/office/drawing/2010/main" val="0"/>
+              </a:ext>
+            </a:extLst>
+          </a:blip>
+          <a:srcRect l="6197" r="6197"/>
+          <a:stretch/>
+        </p:blipFill>
+        <p:spPr>
+          <a:xfrm>
+            <a:off x="168115" y="-33908"/>
+            <a:ext cx="579715" cy="661723"/>
+          </a:xfrm>
+          <a:prstGeom prst="rect">
+            <a:avLst/>
+          </a:prstGeom>
+        </p:spPr>
+      </p:pic>
     </p:spTree>
     <p:extLst>
       <p:ext uri="{BB962C8B-B14F-4D97-AF65-F5344CB8AC3E}">
